--- a/IM/IMPPT.pptx
+++ b/IM/IMPPT.pptx
@@ -294,7 +294,8 @@
           <a:p>
             <a:fld id="{43742E92-E74D-45BD-8741-7397B2A3964D}" type="datetimeFigureOut">
               <a:rPr lang="zh-CN" altLang="en-US" smtClean="0"/>
-              <a:t>2015/7/26</a:t>
+              <a:pPr/>
+              <a:t>2015/7/27</a:t>
             </a:fld>
             <a:endParaRPr lang="zh-CN" altLang="en-US"/>
           </a:p>
@@ -336,6 +337,7 @@
           <a:p>
             <a:fld id="{BF26C85C-E96C-4DB1-8F71-59C9A6008BA3}" type="slidenum">
               <a:rPr lang="zh-CN" altLang="en-US" smtClean="0"/>
+              <a:pPr/>
               <a:t>‹#›</a:t>
             </a:fld>
             <a:endParaRPr lang="zh-CN" altLang="en-US"/>
@@ -345,7 +347,7 @@
     </p:spTree>
     <p:extLst>
       <p:ext uri="{BB962C8B-B14F-4D97-AF65-F5344CB8AC3E}">
-        <p14:creationId xmlns:p14="http://schemas.microsoft.com/office/powerpoint/2010/main" val="1386923840"/>
+        <p14:creationId xmlns:p14="http://schemas.microsoft.com/office/powerpoint/2010/main" xmlns="" val="1386923840"/>
       </p:ext>
     </p:extLst>
   </p:cSld>
@@ -464,7 +466,8 @@
           <a:p>
             <a:fld id="{43742E92-E74D-45BD-8741-7397B2A3964D}" type="datetimeFigureOut">
               <a:rPr lang="zh-CN" altLang="en-US" smtClean="0"/>
-              <a:t>2015/7/26</a:t>
+              <a:pPr/>
+              <a:t>2015/7/27</a:t>
             </a:fld>
             <a:endParaRPr lang="zh-CN" altLang="en-US"/>
           </a:p>
@@ -506,6 +509,7 @@
           <a:p>
             <a:fld id="{BF26C85C-E96C-4DB1-8F71-59C9A6008BA3}" type="slidenum">
               <a:rPr lang="zh-CN" altLang="en-US" smtClean="0"/>
+              <a:pPr/>
               <a:t>‹#›</a:t>
             </a:fld>
             <a:endParaRPr lang="zh-CN" altLang="en-US"/>
@@ -515,7 +519,7 @@
     </p:spTree>
     <p:extLst>
       <p:ext uri="{BB962C8B-B14F-4D97-AF65-F5344CB8AC3E}">
-        <p14:creationId xmlns:p14="http://schemas.microsoft.com/office/powerpoint/2010/main" val="2255313277"/>
+        <p14:creationId xmlns:p14="http://schemas.microsoft.com/office/powerpoint/2010/main" xmlns="" val="2255313277"/>
       </p:ext>
     </p:extLst>
   </p:cSld>
@@ -644,7 +648,8 @@
           <a:p>
             <a:fld id="{43742E92-E74D-45BD-8741-7397B2A3964D}" type="datetimeFigureOut">
               <a:rPr lang="zh-CN" altLang="en-US" smtClean="0"/>
-              <a:t>2015/7/26</a:t>
+              <a:pPr/>
+              <a:t>2015/7/27</a:t>
             </a:fld>
             <a:endParaRPr lang="zh-CN" altLang="en-US"/>
           </a:p>
@@ -686,6 +691,7 @@
           <a:p>
             <a:fld id="{BF26C85C-E96C-4DB1-8F71-59C9A6008BA3}" type="slidenum">
               <a:rPr lang="zh-CN" altLang="en-US" smtClean="0"/>
+              <a:pPr/>
               <a:t>‹#›</a:t>
             </a:fld>
             <a:endParaRPr lang="zh-CN" altLang="en-US"/>
@@ -695,7 +701,7 @@
     </p:spTree>
     <p:extLst>
       <p:ext uri="{BB962C8B-B14F-4D97-AF65-F5344CB8AC3E}">
-        <p14:creationId xmlns:p14="http://schemas.microsoft.com/office/powerpoint/2010/main" val="3933318977"/>
+        <p14:creationId xmlns:p14="http://schemas.microsoft.com/office/powerpoint/2010/main" xmlns="" val="3933318977"/>
       </p:ext>
     </p:extLst>
   </p:cSld>
@@ -814,7 +820,8 @@
           <a:p>
             <a:fld id="{43742E92-E74D-45BD-8741-7397B2A3964D}" type="datetimeFigureOut">
               <a:rPr lang="zh-CN" altLang="en-US" smtClean="0"/>
-              <a:t>2015/7/26</a:t>
+              <a:pPr/>
+              <a:t>2015/7/27</a:t>
             </a:fld>
             <a:endParaRPr lang="zh-CN" altLang="en-US"/>
           </a:p>
@@ -856,6 +863,7 @@
           <a:p>
             <a:fld id="{BF26C85C-E96C-4DB1-8F71-59C9A6008BA3}" type="slidenum">
               <a:rPr lang="zh-CN" altLang="en-US" smtClean="0"/>
+              <a:pPr/>
               <a:t>‹#›</a:t>
             </a:fld>
             <a:endParaRPr lang="zh-CN" altLang="en-US"/>
@@ -865,7 +873,7 @@
     </p:spTree>
     <p:extLst>
       <p:ext uri="{BB962C8B-B14F-4D97-AF65-F5344CB8AC3E}">
-        <p14:creationId xmlns:p14="http://schemas.microsoft.com/office/powerpoint/2010/main" val="1013282833"/>
+        <p14:creationId xmlns:p14="http://schemas.microsoft.com/office/powerpoint/2010/main" xmlns="" val="1013282833"/>
       </p:ext>
     </p:extLst>
   </p:cSld>
@@ -1060,7 +1068,8 @@
           <a:p>
             <a:fld id="{43742E92-E74D-45BD-8741-7397B2A3964D}" type="datetimeFigureOut">
               <a:rPr lang="zh-CN" altLang="en-US" smtClean="0"/>
-              <a:t>2015/7/26</a:t>
+              <a:pPr/>
+              <a:t>2015/7/27</a:t>
             </a:fld>
             <a:endParaRPr lang="zh-CN" altLang="en-US"/>
           </a:p>
@@ -1102,6 +1111,7 @@
           <a:p>
             <a:fld id="{BF26C85C-E96C-4DB1-8F71-59C9A6008BA3}" type="slidenum">
               <a:rPr lang="zh-CN" altLang="en-US" smtClean="0"/>
+              <a:pPr/>
               <a:t>‹#›</a:t>
             </a:fld>
             <a:endParaRPr lang="zh-CN" altLang="en-US"/>
@@ -1111,7 +1121,7 @@
     </p:spTree>
     <p:extLst>
       <p:ext uri="{BB962C8B-B14F-4D97-AF65-F5344CB8AC3E}">
-        <p14:creationId xmlns:p14="http://schemas.microsoft.com/office/powerpoint/2010/main" val="3434999504"/>
+        <p14:creationId xmlns:p14="http://schemas.microsoft.com/office/powerpoint/2010/main" xmlns="" val="3434999504"/>
       </p:ext>
     </p:extLst>
   </p:cSld>
@@ -1348,7 +1358,8 @@
           <a:p>
             <a:fld id="{43742E92-E74D-45BD-8741-7397B2A3964D}" type="datetimeFigureOut">
               <a:rPr lang="zh-CN" altLang="en-US" smtClean="0"/>
-              <a:t>2015/7/26</a:t>
+              <a:pPr/>
+              <a:t>2015/7/27</a:t>
             </a:fld>
             <a:endParaRPr lang="zh-CN" altLang="en-US"/>
           </a:p>
@@ -1390,6 +1401,7 @@
           <a:p>
             <a:fld id="{BF26C85C-E96C-4DB1-8F71-59C9A6008BA3}" type="slidenum">
               <a:rPr lang="zh-CN" altLang="en-US" smtClean="0"/>
+              <a:pPr/>
               <a:t>‹#›</a:t>
             </a:fld>
             <a:endParaRPr lang="zh-CN" altLang="en-US"/>
@@ -1399,7 +1411,7 @@
     </p:spTree>
     <p:extLst>
       <p:ext uri="{BB962C8B-B14F-4D97-AF65-F5344CB8AC3E}">
-        <p14:creationId xmlns:p14="http://schemas.microsoft.com/office/powerpoint/2010/main" val="703700930"/>
+        <p14:creationId xmlns:p14="http://schemas.microsoft.com/office/powerpoint/2010/main" xmlns="" val="703700930"/>
       </p:ext>
     </p:extLst>
   </p:cSld>
@@ -1770,7 +1782,8 @@
           <a:p>
             <a:fld id="{43742E92-E74D-45BD-8741-7397B2A3964D}" type="datetimeFigureOut">
               <a:rPr lang="zh-CN" altLang="en-US" smtClean="0"/>
-              <a:t>2015/7/26</a:t>
+              <a:pPr/>
+              <a:t>2015/7/27</a:t>
             </a:fld>
             <a:endParaRPr lang="zh-CN" altLang="en-US"/>
           </a:p>
@@ -1812,6 +1825,7 @@
           <a:p>
             <a:fld id="{BF26C85C-E96C-4DB1-8F71-59C9A6008BA3}" type="slidenum">
               <a:rPr lang="zh-CN" altLang="en-US" smtClean="0"/>
+              <a:pPr/>
               <a:t>‹#›</a:t>
             </a:fld>
             <a:endParaRPr lang="zh-CN" altLang="en-US"/>
@@ -1821,7 +1835,7 @@
     </p:spTree>
     <p:extLst>
       <p:ext uri="{BB962C8B-B14F-4D97-AF65-F5344CB8AC3E}">
-        <p14:creationId xmlns:p14="http://schemas.microsoft.com/office/powerpoint/2010/main" val="1066953619"/>
+        <p14:creationId xmlns:p14="http://schemas.microsoft.com/office/powerpoint/2010/main" xmlns="" val="1066953619"/>
       </p:ext>
     </p:extLst>
   </p:cSld>
@@ -1888,7 +1902,8 @@
           <a:p>
             <a:fld id="{43742E92-E74D-45BD-8741-7397B2A3964D}" type="datetimeFigureOut">
               <a:rPr lang="zh-CN" altLang="en-US" smtClean="0"/>
-              <a:t>2015/7/26</a:t>
+              <a:pPr/>
+              <a:t>2015/7/27</a:t>
             </a:fld>
             <a:endParaRPr lang="zh-CN" altLang="en-US"/>
           </a:p>
@@ -1930,6 +1945,7 @@
           <a:p>
             <a:fld id="{BF26C85C-E96C-4DB1-8F71-59C9A6008BA3}" type="slidenum">
               <a:rPr lang="zh-CN" altLang="en-US" smtClean="0"/>
+              <a:pPr/>
               <a:t>‹#›</a:t>
             </a:fld>
             <a:endParaRPr lang="zh-CN" altLang="en-US"/>
@@ -1939,7 +1955,7 @@
     </p:spTree>
     <p:extLst>
       <p:ext uri="{BB962C8B-B14F-4D97-AF65-F5344CB8AC3E}">
-        <p14:creationId xmlns:p14="http://schemas.microsoft.com/office/powerpoint/2010/main" val="3252479738"/>
+        <p14:creationId xmlns:p14="http://schemas.microsoft.com/office/powerpoint/2010/main" xmlns="" val="3252479738"/>
       </p:ext>
     </p:extLst>
   </p:cSld>
@@ -1983,7 +1999,8 @@
           <a:p>
             <a:fld id="{43742E92-E74D-45BD-8741-7397B2A3964D}" type="datetimeFigureOut">
               <a:rPr lang="zh-CN" altLang="en-US" smtClean="0"/>
-              <a:t>2015/7/26</a:t>
+              <a:pPr/>
+              <a:t>2015/7/27</a:t>
             </a:fld>
             <a:endParaRPr lang="zh-CN" altLang="en-US"/>
           </a:p>
@@ -2025,6 +2042,7 @@
           <a:p>
             <a:fld id="{BF26C85C-E96C-4DB1-8F71-59C9A6008BA3}" type="slidenum">
               <a:rPr lang="zh-CN" altLang="en-US" smtClean="0"/>
+              <a:pPr/>
               <a:t>‹#›</a:t>
             </a:fld>
             <a:endParaRPr lang="zh-CN" altLang="en-US"/>
@@ -2034,7 +2052,7 @@
     </p:spTree>
     <p:extLst>
       <p:ext uri="{BB962C8B-B14F-4D97-AF65-F5344CB8AC3E}">
-        <p14:creationId xmlns:p14="http://schemas.microsoft.com/office/powerpoint/2010/main" val="2558575894"/>
+        <p14:creationId xmlns:p14="http://schemas.microsoft.com/office/powerpoint/2010/main" xmlns="" val="2558575894"/>
       </p:ext>
     </p:extLst>
   </p:cSld>
@@ -2260,7 +2278,8 @@
           <a:p>
             <a:fld id="{43742E92-E74D-45BD-8741-7397B2A3964D}" type="datetimeFigureOut">
               <a:rPr lang="zh-CN" altLang="en-US" smtClean="0"/>
-              <a:t>2015/7/26</a:t>
+              <a:pPr/>
+              <a:t>2015/7/27</a:t>
             </a:fld>
             <a:endParaRPr lang="zh-CN" altLang="en-US"/>
           </a:p>
@@ -2302,6 +2321,7 @@
           <a:p>
             <a:fld id="{BF26C85C-E96C-4DB1-8F71-59C9A6008BA3}" type="slidenum">
               <a:rPr lang="zh-CN" altLang="en-US" smtClean="0"/>
+              <a:pPr/>
               <a:t>‹#›</a:t>
             </a:fld>
             <a:endParaRPr lang="zh-CN" altLang="en-US"/>
@@ -2311,7 +2331,7 @@
     </p:spTree>
     <p:extLst>
       <p:ext uri="{BB962C8B-B14F-4D97-AF65-F5344CB8AC3E}">
-        <p14:creationId xmlns:p14="http://schemas.microsoft.com/office/powerpoint/2010/main" val="975083160"/>
+        <p14:creationId xmlns:p14="http://schemas.microsoft.com/office/powerpoint/2010/main" xmlns="" val="975083160"/>
       </p:ext>
     </p:extLst>
   </p:cSld>
@@ -2513,7 +2533,8 @@
           <a:p>
             <a:fld id="{43742E92-E74D-45BD-8741-7397B2A3964D}" type="datetimeFigureOut">
               <a:rPr lang="zh-CN" altLang="en-US" smtClean="0"/>
-              <a:t>2015/7/26</a:t>
+              <a:pPr/>
+              <a:t>2015/7/27</a:t>
             </a:fld>
             <a:endParaRPr lang="zh-CN" altLang="en-US"/>
           </a:p>
@@ -2555,6 +2576,7 @@
           <a:p>
             <a:fld id="{BF26C85C-E96C-4DB1-8F71-59C9A6008BA3}" type="slidenum">
               <a:rPr lang="zh-CN" altLang="en-US" smtClean="0"/>
+              <a:pPr/>
               <a:t>‹#›</a:t>
             </a:fld>
             <a:endParaRPr lang="zh-CN" altLang="en-US"/>
@@ -2564,7 +2586,7 @@
     </p:spTree>
     <p:extLst>
       <p:ext uri="{BB962C8B-B14F-4D97-AF65-F5344CB8AC3E}">
-        <p14:creationId xmlns:p14="http://schemas.microsoft.com/office/powerpoint/2010/main" val="449524271"/>
+        <p14:creationId xmlns:p14="http://schemas.microsoft.com/office/powerpoint/2010/main" xmlns="" val="449524271"/>
       </p:ext>
     </p:extLst>
   </p:cSld>
@@ -2726,7 +2748,8 @@
           <a:p>
             <a:fld id="{43742E92-E74D-45BD-8741-7397B2A3964D}" type="datetimeFigureOut">
               <a:rPr lang="zh-CN" altLang="en-US" smtClean="0"/>
-              <a:t>2015/7/26</a:t>
+              <a:pPr/>
+              <a:t>2015/7/27</a:t>
             </a:fld>
             <a:endParaRPr lang="zh-CN" altLang="en-US"/>
           </a:p>
@@ -2804,6 +2827,7 @@
           <a:p>
             <a:fld id="{BF26C85C-E96C-4DB1-8F71-59C9A6008BA3}" type="slidenum">
               <a:rPr lang="zh-CN" altLang="en-US" smtClean="0"/>
+              <a:pPr/>
               <a:t>‹#›</a:t>
             </a:fld>
             <a:endParaRPr lang="zh-CN" altLang="en-US"/>
@@ -2813,7 +2837,7 @@
     </p:spTree>
     <p:extLst>
       <p:ext uri="{BB962C8B-B14F-4D97-AF65-F5344CB8AC3E}">
-        <p14:creationId xmlns:p14="http://schemas.microsoft.com/office/powerpoint/2010/main" val="2782328422"/>
+        <p14:creationId xmlns:p14="http://schemas.microsoft.com/office/powerpoint/2010/main" xmlns="" val="2782328422"/>
       </p:ext>
     </p:extLst>
   </p:cSld>
@@ -3139,18 +3163,6 @@
           <a:bodyPr/>
           <a:lstStyle/>
           <a:p>
-            <a:r>
-              <a:rPr lang="en-US" altLang="zh-CN" dirty="0" err="1" smtClean="0"/>
-              <a:t>Kary</a:t>
-            </a:r>
-            <a:r>
-              <a:rPr lang="en-US" altLang="zh-CN" dirty="0" smtClean="0"/>
-              <a:t> </a:t>
-            </a:r>
-            <a:r>
-              <a:rPr lang="en-US" altLang="zh-CN" dirty="0" err="1" smtClean="0"/>
-              <a:t>Guo</a:t>
-            </a:r>
             <a:endParaRPr lang="zh-CN" altLang="en-US" dirty="0"/>
           </a:p>
         </p:txBody>
@@ -3158,7 +3170,7 @@
     </p:spTree>
     <p:extLst>
       <p:ext uri="{BB962C8B-B14F-4D97-AF65-F5344CB8AC3E}">
-        <p14:creationId xmlns:p14="http://schemas.microsoft.com/office/powerpoint/2010/main" val="4028821813"/>
+        <p14:creationId xmlns:p14="http://schemas.microsoft.com/office/powerpoint/2010/main" xmlns="" val="4028821813"/>
       </p:ext>
     </p:extLst>
   </p:cSld>
@@ -3253,7 +3265,7 @@
     </p:spTree>
     <p:extLst>
       <p:ext uri="{BB962C8B-B14F-4D97-AF65-F5344CB8AC3E}">
-        <p14:creationId xmlns:p14="http://schemas.microsoft.com/office/powerpoint/2010/main" val="841247825"/>
+        <p14:creationId xmlns:p14="http://schemas.microsoft.com/office/powerpoint/2010/main" xmlns="" val="841247825"/>
       </p:ext>
     </p:extLst>
   </p:cSld>
@@ -3929,7 +3941,7 @@
     </p:spTree>
     <p:extLst>
       <p:ext uri="{BB962C8B-B14F-4D97-AF65-F5344CB8AC3E}">
-        <p14:creationId xmlns:p14="http://schemas.microsoft.com/office/powerpoint/2010/main" val="270814430"/>
+        <p14:creationId xmlns:p14="http://schemas.microsoft.com/office/powerpoint/2010/main" xmlns="" val="270814430"/>
       </p:ext>
     </p:extLst>
   </p:cSld>
@@ -3997,10 +4009,10 @@
           </p:nvPr>
         </p:nvPicPr>
         <p:blipFill>
-          <a:blip r:embed="rId2">
+          <a:blip r:embed="rId2" cstate="print">
             <a:extLst>
               <a:ext uri="{28A0092B-C50C-407E-A947-70E740481C1C}">
-                <a14:useLocalDpi xmlns:a14="http://schemas.microsoft.com/office/drawing/2010/main" val="0"/>
+                <a14:useLocalDpi xmlns:a14="http://schemas.microsoft.com/office/drawing/2010/main" xmlns="" val="0"/>
               </a:ext>
             </a:extLst>
           </a:blip>
@@ -4023,14 +4035,14 @@
           </a:ln>
           <a:extLst>
             <a:ext uri="{909E8E84-426E-40DD-AFC4-6F175D3DCCD1}">
-              <a14:hiddenFill xmlns:a14="http://schemas.microsoft.com/office/drawing/2010/main">
+              <a14:hiddenFill xmlns:a14="http://schemas.microsoft.com/office/drawing/2010/main" xmlns="">
                 <a:solidFill>
                   <a:schemeClr val="accent1"/>
                 </a:solidFill>
               </a14:hiddenFill>
             </a:ext>
             <a:ext uri="{91240B29-F687-4F45-9708-019B960494DF}">
-              <a14:hiddenLine xmlns:a14="http://schemas.microsoft.com/office/drawing/2010/main" w="9525">
+              <a14:hiddenLine xmlns:a14="http://schemas.microsoft.com/office/drawing/2010/main" xmlns="" w="9525">
                 <a:solidFill>
                   <a:schemeClr val="tx1"/>
                 </a:solidFill>
@@ -4051,10 +4063,10 @@
           <p:nvPr/>
         </p:nvPicPr>
         <p:blipFill>
-          <a:blip r:embed="rId3">
+          <a:blip r:embed="rId3" cstate="print">
             <a:extLst>
               <a:ext uri="{28A0092B-C50C-407E-A947-70E740481C1C}">
-                <a14:useLocalDpi xmlns:a14="http://schemas.microsoft.com/office/drawing/2010/main" val="0"/>
+                <a14:useLocalDpi xmlns:a14="http://schemas.microsoft.com/office/drawing/2010/main" xmlns="" val="0"/>
               </a:ext>
             </a:extLst>
           </a:blip>
@@ -4077,14 +4089,14 @@
           </a:ln>
           <a:extLst>
             <a:ext uri="{909E8E84-426E-40DD-AFC4-6F175D3DCCD1}">
-              <a14:hiddenFill xmlns:a14="http://schemas.microsoft.com/office/drawing/2010/main">
+              <a14:hiddenFill xmlns:a14="http://schemas.microsoft.com/office/drawing/2010/main" xmlns="">
                 <a:solidFill>
                   <a:schemeClr val="accent1"/>
                 </a:solidFill>
               </a14:hiddenFill>
             </a:ext>
             <a:ext uri="{91240B29-F687-4F45-9708-019B960494DF}">
-              <a14:hiddenLine xmlns:a14="http://schemas.microsoft.com/office/drawing/2010/main" w="9525">
+              <a14:hiddenLine xmlns:a14="http://schemas.microsoft.com/office/drawing/2010/main" xmlns="" w="9525">
                 <a:solidFill>
                   <a:schemeClr val="tx1"/>
                 </a:solidFill>
@@ -4139,7 +4151,7 @@
     </p:spTree>
     <p:extLst>
       <p:ext uri="{BB962C8B-B14F-4D97-AF65-F5344CB8AC3E}">
-        <p14:creationId xmlns:p14="http://schemas.microsoft.com/office/powerpoint/2010/main" val="1356808810"/>
+        <p14:creationId xmlns:p14="http://schemas.microsoft.com/office/powerpoint/2010/main" xmlns="" val="1356808810"/>
       </p:ext>
     </p:extLst>
   </p:cSld>
@@ -4205,10 +4217,10 @@
           <p:nvPr/>
         </p:nvPicPr>
         <p:blipFill>
-          <a:blip r:embed="rId2">
+          <a:blip r:embed="rId2" cstate="print">
             <a:extLst>
               <a:ext uri="{28A0092B-C50C-407E-A947-70E740481C1C}">
-                <a14:useLocalDpi xmlns:a14="http://schemas.microsoft.com/office/drawing/2010/main" val="0"/>
+                <a14:useLocalDpi xmlns:a14="http://schemas.microsoft.com/office/drawing/2010/main" xmlns="" val="0"/>
               </a:ext>
             </a:extLst>
           </a:blip>
@@ -4231,14 +4243,14 @@
           </a:ln>
           <a:extLst>
             <a:ext uri="{909E8E84-426E-40DD-AFC4-6F175D3DCCD1}">
-              <a14:hiddenFill xmlns:a14="http://schemas.microsoft.com/office/drawing/2010/main">
+              <a14:hiddenFill xmlns:a14="http://schemas.microsoft.com/office/drawing/2010/main" xmlns="">
                 <a:solidFill>
                   <a:schemeClr val="accent1"/>
                 </a:solidFill>
               </a14:hiddenFill>
             </a:ext>
             <a:ext uri="{91240B29-F687-4F45-9708-019B960494DF}">
-              <a14:hiddenLine xmlns:a14="http://schemas.microsoft.com/office/drawing/2010/main" w="9525">
+              <a14:hiddenLine xmlns:a14="http://schemas.microsoft.com/office/drawing/2010/main" xmlns="" w="9525">
                 <a:solidFill>
                   <a:schemeClr val="tx1"/>
                 </a:solidFill>
@@ -4284,7 +4296,7 @@
     </p:spTree>
     <p:extLst>
       <p:ext uri="{BB962C8B-B14F-4D97-AF65-F5344CB8AC3E}">
-        <p14:creationId xmlns:p14="http://schemas.microsoft.com/office/powerpoint/2010/main" val="183829895"/>
+        <p14:creationId xmlns:p14="http://schemas.microsoft.com/office/powerpoint/2010/main" xmlns="" val="183829895"/>
       </p:ext>
     </p:extLst>
   </p:cSld>
@@ -4350,10 +4362,10 @@
           <p:nvPr/>
         </p:nvPicPr>
         <p:blipFill>
-          <a:blip r:embed="rId2">
+          <a:blip r:embed="rId2" cstate="print">
             <a:extLst>
               <a:ext uri="{28A0092B-C50C-407E-A947-70E740481C1C}">
-                <a14:useLocalDpi xmlns:a14="http://schemas.microsoft.com/office/drawing/2010/main" val="0"/>
+                <a14:useLocalDpi xmlns:a14="http://schemas.microsoft.com/office/drawing/2010/main" xmlns="" val="0"/>
               </a:ext>
             </a:extLst>
           </a:blip>
@@ -4376,14 +4388,14 @@
           </a:ln>
           <a:extLst>
             <a:ext uri="{909E8E84-426E-40DD-AFC4-6F175D3DCCD1}">
-              <a14:hiddenFill xmlns:a14="http://schemas.microsoft.com/office/drawing/2010/main">
+              <a14:hiddenFill xmlns:a14="http://schemas.microsoft.com/office/drawing/2010/main" xmlns="">
                 <a:solidFill>
                   <a:schemeClr val="accent1"/>
                 </a:solidFill>
               </a14:hiddenFill>
             </a:ext>
             <a:ext uri="{91240B29-F687-4F45-9708-019B960494DF}">
-              <a14:hiddenLine xmlns:a14="http://schemas.microsoft.com/office/drawing/2010/main" w="9525">
+              <a14:hiddenLine xmlns:a14="http://schemas.microsoft.com/office/drawing/2010/main" xmlns="" w="9525">
                 <a:solidFill>
                   <a:schemeClr val="tx1"/>
                 </a:solidFill>
@@ -4464,10 +4476,10 @@
           <p:nvPr/>
         </p:nvPicPr>
         <p:blipFill>
-          <a:blip r:embed="rId3">
+          <a:blip r:embed="rId3" cstate="print">
             <a:extLst>
               <a:ext uri="{28A0092B-C50C-407E-A947-70E740481C1C}">
-                <a14:useLocalDpi xmlns:a14="http://schemas.microsoft.com/office/drawing/2010/main" val="0"/>
+                <a14:useLocalDpi xmlns:a14="http://schemas.microsoft.com/office/drawing/2010/main" xmlns="" val="0"/>
               </a:ext>
             </a:extLst>
           </a:blip>
@@ -4490,14 +4502,14 @@
           </a:ln>
           <a:extLst>
             <a:ext uri="{909E8E84-426E-40DD-AFC4-6F175D3DCCD1}">
-              <a14:hiddenFill xmlns:a14="http://schemas.microsoft.com/office/drawing/2010/main">
+              <a14:hiddenFill xmlns:a14="http://schemas.microsoft.com/office/drawing/2010/main" xmlns="">
                 <a:solidFill>
                   <a:schemeClr val="accent1"/>
                 </a:solidFill>
               </a14:hiddenFill>
             </a:ext>
             <a:ext uri="{91240B29-F687-4F45-9708-019B960494DF}">
-              <a14:hiddenLine xmlns:a14="http://schemas.microsoft.com/office/drawing/2010/main" w="9525">
+              <a14:hiddenLine xmlns:a14="http://schemas.microsoft.com/office/drawing/2010/main" xmlns="" w="9525">
                 <a:solidFill>
                   <a:schemeClr val="tx1"/>
                 </a:solidFill>
@@ -4512,7 +4524,7 @@
     </p:spTree>
     <p:extLst>
       <p:ext uri="{BB962C8B-B14F-4D97-AF65-F5344CB8AC3E}">
-        <p14:creationId xmlns:p14="http://schemas.microsoft.com/office/powerpoint/2010/main" val="186290900"/>
+        <p14:creationId xmlns:p14="http://schemas.microsoft.com/office/powerpoint/2010/main" xmlns="" val="186290900"/>
       </p:ext>
     </p:extLst>
   </p:cSld>
@@ -4595,7 +4607,7 @@
     </p:spTree>
     <p:extLst>
       <p:ext uri="{BB962C8B-B14F-4D97-AF65-F5344CB8AC3E}">
-        <p14:creationId xmlns:p14="http://schemas.microsoft.com/office/powerpoint/2010/main" val="1951995253"/>
+        <p14:creationId xmlns:p14="http://schemas.microsoft.com/office/powerpoint/2010/main" xmlns="" val="1951995253"/>
       </p:ext>
     </p:extLst>
   </p:cSld>
